--- a/paperWriting/Method/weeklyReport2015_1019.pptx
+++ b/paperWriting/Method/weeklyReport2015_1019.pptx
@@ -300,7 +300,7 @@
             <a:fld id="{2FE7D661-1836-44F7-8FAF-35E8F866ECD3}" type="datetime1">
               <a:rPr lang="en-US" smtClean="0"/>
               <a:pPr/>
-              <a:t>10/19/15</a:t>
+              <a:t>10/20/15</a:t>
             </a:fld>
             <a:endParaRPr lang="en-US"/>
           </a:p>
@@ -466,7 +466,7 @@
           <a:p>
             <a:fld id="{B1FF71CE-B899-4B2B-848D-9F12F0C901B6}" type="datetimeFigureOut">
               <a:rPr lang="en-US" smtClean="0"/>
-              <a:t>10/19/15</a:t>
+              <a:t>10/20/15</a:t>
             </a:fld>
             <a:endParaRPr lang="en-US"/>
           </a:p>
@@ -642,7 +642,7 @@
             <a:fld id="{102CF1CA-F464-4B29-B867-EAF8A9B936E3}" type="datetime1">
               <a:rPr lang="en-US" smtClean="0"/>
               <a:pPr/>
-              <a:t>10/19/15</a:t>
+              <a:t>10/20/15</a:t>
             </a:fld>
             <a:endParaRPr lang="en-US" dirty="0"/>
           </a:p>
@@ -809,7 +809,7 @@
             <a:fld id="{CAE6B357-51B9-47D2-A71D-0D06CB03185D}" type="datetime1">
               <a:rPr lang="en-US" smtClean="0"/>
               <a:pPr/>
-              <a:t>10/19/15</a:t>
+              <a:t>10/20/15</a:t>
             </a:fld>
             <a:endParaRPr lang="en-US"/>
           </a:p>
@@ -1050,7 +1050,7 @@
             <a:fld id="{058CB827-F132-4DF6-9FB9-4035A4C798EF}" type="datetime1">
               <a:rPr lang="en-US" smtClean="0"/>
               <a:pPr/>
-              <a:t>10/19/15</a:t>
+              <a:t>10/20/15</a:t>
             </a:fld>
             <a:endParaRPr lang="en-US"/>
           </a:p>
@@ -1142,7 +1142,7 @@
             <a:fld id="{1A92A601-7D32-4ED7-AD1A-974B6DDBDCDC}" type="datetime1">
               <a:rPr lang="en-US" smtClean="0"/>
               <a:pPr/>
-              <a:t>10/19/15</a:t>
+              <a:t>10/20/15</a:t>
             </a:fld>
             <a:endParaRPr lang="en-US"/>
           </a:p>
@@ -1518,7 +1518,7 @@
             <a:fld id="{63A17B41-4A0C-4639-A132-E5C8F99A4BE8}" type="datetime1">
               <a:rPr lang="en-US" smtClean="0"/>
               <a:pPr/>
-              <a:t>10/19/15</a:t>
+              <a:t>10/20/15</a:t>
             </a:fld>
             <a:endParaRPr lang="en-US"/>
           </a:p>
@@ -1775,7 +1775,7 @@
             <a:fld id="{BE9967FD-6084-4075-993E-77EC8038773F}" type="datetime1">
               <a:rPr lang="en-US" smtClean="0"/>
               <a:pPr/>
-              <a:t>10/19/15</a:t>
+              <a:t>10/20/15</a:t>
             </a:fld>
             <a:endParaRPr lang="en-US"/>
           </a:p>
@@ -1867,7 +1867,7 @@
             <a:fld id="{3B988B47-74BA-4873-ADAE-EB0120124E83}" type="datetime1">
               <a:rPr lang="en-US" smtClean="0"/>
               <a:pPr/>
-              <a:t>10/19/15</a:t>
+              <a:t>10/20/15</a:t>
             </a:fld>
             <a:endParaRPr lang="en-US"/>
           </a:p>
@@ -2143,7 +2143,7 @@
             <a:fld id="{93CF52C1-9A39-494C-9977-BBEFAB872C1F}" type="datetime1">
               <a:rPr lang="en-US" smtClean="0"/>
               <a:pPr/>
-              <a:t>10/19/15</a:t>
+              <a:t>10/20/15</a:t>
             </a:fld>
             <a:endParaRPr lang="en-US"/>
           </a:p>
@@ -2417,7 +2417,7 @@
             <a:fld id="{CD1EACE2-EA00-4376-9A66-47ABB8B02CF5}" type="datetime1">
               <a:rPr lang="en-US" smtClean="0"/>
               <a:pPr/>
-              <a:t>10/19/15</a:t>
+              <a:t>10/20/15</a:t>
             </a:fld>
             <a:endParaRPr lang="en-US"/>
           </a:p>
@@ -2719,7 +2719,7 @@
             <a:fld id="{DA47DADC-55EA-4839-91C8-5BCC0EC06F5C}" type="datetime1">
               <a:rPr lang="en-US" smtClean="0"/>
               <a:pPr/>
-              <a:t>10/19/15</a:t>
+              <a:t>10/20/15</a:t>
             </a:fld>
             <a:endParaRPr lang="en-US" dirty="0"/>
           </a:p>
@@ -3334,8 +3334,21 @@
           <a:p>
             <a:r>
               <a:rPr lang="en-US" altLang="zh-TW" dirty="0" smtClean="0"/>
-              <a:t>Prediction with SVM Model</a:t>
-            </a:r>
+              <a:t>Prediction </a:t>
+            </a:r>
+            <a:r>
+              <a:rPr lang="en-US" altLang="zh-TW" dirty="0" smtClean="0"/>
+              <a:t>of</a:t>
+            </a:r>
+            <a:r>
+              <a:rPr lang="zh-CN" altLang="en-US" dirty="0" smtClean="0"/>
+              <a:t> </a:t>
+            </a:r>
+            <a:r>
+              <a:rPr lang="en-US" altLang="zh-CN" dirty="0" smtClean="0"/>
+              <a:t>interactions</a:t>
+            </a:r>
+            <a:endParaRPr lang="en-US" altLang="zh-TW" dirty="0" smtClean="0"/>
           </a:p>
           <a:p>
             <a:endParaRPr lang="en-US" altLang="zh-TW" dirty="0" smtClean="0"/>
@@ -3397,7 +3410,6 @@
               <a:rPr lang="en-US" altLang="zh-TW" dirty="0"/>
               <a:t>Direct Evidence</a:t>
             </a:r>
-            <a:endParaRPr lang="en-US" altLang="zh-TW" dirty="0"/>
           </a:p>
         </p:txBody>
       </p:sp>
@@ -3453,12 +3465,7 @@
               <a:rPr lang="en-US" altLang="zh-CN" dirty="0" smtClean="0"/>
               <a:t>Brief (Term Number ...</a:t>
             </a:r>
-          </a:p>
-          <a:p>
-            <a:r>
-              <a:rPr lang="en-US" altLang="zh-TW" dirty="0" smtClean="0"/>
-              <a:t>Indirect Evidence</a:t>
-            </a:r>
+            <a:endParaRPr lang="en-US" altLang="zh-CN" dirty="0"/>
           </a:p>
           <a:p>
             <a:pPr marL="502920" indent="-457200">
@@ -3466,179 +3473,32 @@
             </a:pPr>
             <a:r>
               <a:rPr lang="en-US" altLang="zh-CN" dirty="0" smtClean="0"/>
-              <a:t>Highly</a:t>
+              <a:t>Test</a:t>
             </a:r>
             <a:r>
               <a:rPr lang="zh-CN" altLang="en-US" dirty="0" smtClean="0"/>
               <a:t> </a:t>
             </a:r>
             <a:r>
-              <a:rPr lang="en-US" altLang="zh-CN" dirty="0"/>
-              <a:t>modularized</a:t>
-            </a:r>
-            <a:r>
-              <a:rPr lang="zh-CN" altLang="en-US" dirty="0"/>
+              <a:rPr lang="en-US" altLang="zh-CN" dirty="0" smtClean="0"/>
+              <a:t>(GO</a:t>
+            </a:r>
+            <a:r>
+              <a:rPr lang="zh-CN" altLang="en-US" dirty="0" smtClean="0"/>
               <a:t> </a:t>
             </a:r>
             <a:r>
-              <a:rPr lang="en-US" altLang="zh-CN" dirty="0"/>
-              <a:t>pipeline.</a:t>
-            </a:r>
-          </a:p>
-          <a:p>
-            <a:pPr marL="502920" indent="-457200">
-              <a:buAutoNum type="alphaLcParenR"/>
-            </a:pPr>
-            <a:r>
-              <a:rPr lang="en-US" altLang="zh-CN" dirty="0"/>
-              <a:t>More</a:t>
-            </a:r>
-            <a:r>
-              <a:rPr lang="zh-CN" altLang="en-US" dirty="0"/>
+              <a:rPr lang="en-US" altLang="zh-CN" dirty="0" smtClean="0"/>
+              <a:t>Slim</a:t>
+            </a:r>
+            <a:r>
+              <a:rPr lang="zh-CN" altLang="en-US" dirty="0" smtClean="0"/>
               <a:t> </a:t>
             </a:r>
             <a:r>
-              <a:rPr lang="en-US" altLang="zh-CN" dirty="0"/>
-              <a:t>statistical</a:t>
-            </a:r>
-            <a:r>
-              <a:rPr lang="zh-CN" altLang="en-US" dirty="0"/>
-              <a:t> </a:t>
-            </a:r>
-            <a:r>
-              <a:rPr lang="en-US" altLang="zh-CN" dirty="0"/>
-              <a:t>operators</a:t>
-            </a:r>
-            <a:r>
-              <a:rPr lang="zh-CN" altLang="en-US" dirty="0"/>
-              <a:t> </a:t>
-            </a:r>
-            <a:r>
-              <a:rPr lang="en-US" altLang="zh-CN" dirty="0"/>
-              <a:t>with</a:t>
-            </a:r>
-            <a:r>
-              <a:rPr lang="zh-CN" altLang="en-US" dirty="0"/>
-              <a:t> </a:t>
-            </a:r>
-            <a:r>
-              <a:rPr lang="en-US" altLang="zh-CN" dirty="0"/>
-              <a:t>qualification</a:t>
-            </a:r>
-            <a:r>
-              <a:rPr lang="zh-CN" altLang="en-US" dirty="0"/>
-              <a:t> </a:t>
-            </a:r>
-            <a:r>
-              <a:rPr lang="en-US" altLang="zh-CN" dirty="0"/>
-              <a:t>tools</a:t>
-            </a:r>
-            <a:r>
-              <a:rPr lang="zh-CN" altLang="en-US" dirty="0"/>
-              <a:t>.</a:t>
-            </a:r>
-            <a:endParaRPr lang="en-US" altLang="zh-CN" dirty="0"/>
-          </a:p>
-          <a:p>
-            <a:pPr marL="502920" indent="-457200">
-              <a:buAutoNum type="alphaLcParenR"/>
-            </a:pPr>
-            <a:r>
-              <a:rPr lang="en-US" altLang="zh-CN" dirty="0"/>
-              <a:t>Strictly</a:t>
-            </a:r>
-            <a:r>
-              <a:rPr lang="zh-CN" altLang="en-US" dirty="0"/>
-              <a:t> </a:t>
-            </a:r>
-            <a:r>
-              <a:rPr lang="en-US" altLang="zh-CN" dirty="0"/>
-              <a:t>filtered</a:t>
-            </a:r>
-            <a:r>
-              <a:rPr lang="zh-CN" altLang="en-US" dirty="0"/>
-              <a:t> </a:t>
-            </a:r>
-            <a:r>
-              <a:rPr lang="en-US" altLang="zh-CN" dirty="0"/>
-              <a:t>experimental</a:t>
-            </a:r>
-            <a:r>
-              <a:rPr lang="zh-CN" altLang="en-US" dirty="0"/>
-              <a:t> </a:t>
-            </a:r>
-            <a:r>
-              <a:rPr lang="en-US" altLang="zh-CN" dirty="0"/>
-              <a:t>interaction</a:t>
-            </a:r>
-            <a:r>
-              <a:rPr lang="zh-CN" altLang="en-US" dirty="0"/>
-              <a:t> </a:t>
-            </a:r>
-            <a:r>
-              <a:rPr lang="en-US" altLang="zh-CN" dirty="0"/>
-              <a:t>data</a:t>
-            </a:r>
-            <a:r>
-              <a:rPr lang="zh-CN" altLang="en-US" dirty="0"/>
-              <a:t> </a:t>
-            </a:r>
-            <a:r>
-              <a:rPr lang="en-US" altLang="zh-CN" dirty="0"/>
-              <a:t>set.</a:t>
-            </a:r>
-          </a:p>
-          <a:p>
-            <a:pPr marL="502920" indent="-457200">
-              <a:buAutoNum type="alphaLcParenR"/>
-            </a:pPr>
-            <a:r>
-              <a:rPr lang="en-US" altLang="zh-CN" dirty="0"/>
-              <a:t>Newly</a:t>
-            </a:r>
-            <a:r>
-              <a:rPr lang="zh-CN" altLang="en-US" dirty="0"/>
-              <a:t> </a:t>
-            </a:r>
-            <a:r>
-              <a:rPr lang="en-US" altLang="zh-CN" dirty="0"/>
-              <a:t>expanded</a:t>
-            </a:r>
-            <a:r>
-              <a:rPr lang="zh-CN" altLang="en-US" dirty="0"/>
-              <a:t> </a:t>
-            </a:r>
-            <a:r>
-              <a:rPr lang="en-US" altLang="zh-CN" dirty="0"/>
-              <a:t>annotations</a:t>
-            </a:r>
-            <a:r>
-              <a:rPr lang="zh-CN" altLang="en-US" dirty="0"/>
-              <a:t> </a:t>
-            </a:r>
-            <a:r>
-              <a:rPr lang="en-US" altLang="zh-CN" dirty="0"/>
-              <a:t>and</a:t>
-            </a:r>
-            <a:r>
-              <a:rPr lang="zh-CN" altLang="en-US" dirty="0"/>
-              <a:t> </a:t>
-            </a:r>
-            <a:r>
-              <a:rPr lang="en-US" altLang="zh-CN" dirty="0"/>
-              <a:t>profiling</a:t>
-            </a:r>
-            <a:r>
-              <a:rPr lang="zh-CN" altLang="en-US" dirty="0"/>
-              <a:t> </a:t>
-            </a:r>
-            <a:r>
-              <a:rPr lang="en-US" altLang="zh-CN" dirty="0"/>
-              <a:t>data.</a:t>
-            </a:r>
-          </a:p>
-          <a:p>
-            <a:endParaRPr lang="en-US" altLang="zh-TW" dirty="0"/>
+              <a:rPr lang="en-US" altLang="zh-CN" dirty="0" smtClean="0"/>
+              <a:t>Distribution</a:t>
+            </a:r>
           </a:p>
         </p:txBody>
       </p:sp>
@@ -3712,8 +3572,16 @@
           <a:lstStyle/>
           <a:p>
             <a:r>
-              <a:rPr lang="en-US" altLang="zh-TW" dirty="0" smtClean="0"/>
-              <a:t>Direct </a:t>
+              <a:rPr lang="en-US" altLang="zh-CN" smtClean="0"/>
+              <a:t>In</a:t>
+            </a:r>
+            <a:r>
+              <a:rPr lang="en-US" altLang="zh-CN"/>
+              <a:t>d</a:t>
+            </a:r>
+            <a:r>
+              <a:rPr lang="en-US" altLang="zh-TW" smtClean="0"/>
+              <a:t>irect </a:t>
             </a:r>
             <a:r>
               <a:rPr lang="en-US" altLang="zh-TW" dirty="0"/>
@@ -3734,8 +3602,20 @@
               <a:buAutoNum type="alphaLcParenR"/>
             </a:pPr>
             <a:r>
+              <a:rPr lang="en-US" altLang="zh-CN" dirty="0"/>
+              <a:t>F</a:t>
+            </a:r>
+            <a:r>
               <a:rPr lang="en-US" altLang="zh-CN" dirty="0" smtClean="0"/>
-              <a:t>Filter</a:t>
+              <a:t>eature</a:t>
+            </a:r>
+            <a:r>
+              <a:rPr lang="zh-CN" altLang="en-US" dirty="0" smtClean="0"/>
+              <a:t> </a:t>
+            </a:r>
+            <a:r>
+              <a:rPr lang="en-US" altLang="zh-CN" dirty="0" smtClean="0"/>
+              <a:t>Concept</a:t>
             </a:r>
           </a:p>
           <a:p>
@@ -3744,194 +3624,33 @@
             </a:pPr>
             <a:r>
               <a:rPr lang="en-US" altLang="zh-CN" dirty="0" smtClean="0"/>
-              <a:t>Brief (Term Number ...</a:t>
-            </a:r>
-          </a:p>
-          <a:p>
-            <a:r>
-              <a:rPr lang="en-US" altLang="zh-TW" dirty="0" smtClean="0"/>
-              <a:t>Indirect Evidence</a:t>
+              <a:t>Statistics</a:t>
+            </a:r>
+            <a:endParaRPr lang="en-US" altLang="zh-CN" dirty="0"/>
+          </a:p>
+          <a:p>
+            <a:pPr marL="502920" indent="-457200">
+              <a:buFont typeface="Wingdings" charset="2"/>
+              <a:buAutoNum type="alphaLcParenR"/>
+            </a:pPr>
+            <a:r>
+              <a:rPr lang="en-US" altLang="zh-CN" dirty="0" smtClean="0"/>
+              <a:t>Predictive Strength Test</a:t>
+            </a:r>
+            <a:r>
+              <a:rPr lang="zh-CN" altLang="en-US" dirty="0" smtClean="0"/>
+              <a:t> </a:t>
+            </a:r>
+            <a:r>
+              <a:rPr lang="en-US" altLang="zh-CN" dirty="0"/>
+              <a:t>(ROC</a:t>
             </a:r>
           </a:p>
           <a:p>
             <a:pPr marL="502920" indent="-457200">
               <a:buAutoNum type="alphaLcParenR"/>
             </a:pPr>
-            <a:r>
-              <a:rPr lang="en-US" altLang="zh-CN" dirty="0" smtClean="0"/>
-              <a:t>Highly</a:t>
-            </a:r>
-            <a:r>
-              <a:rPr lang="zh-CN" altLang="en-US" dirty="0" smtClean="0"/>
-              <a:t> </a:t>
-            </a:r>
-            <a:r>
-              <a:rPr lang="en-US" altLang="zh-CN" dirty="0"/>
-              <a:t>modularized</a:t>
-            </a:r>
-            <a:r>
-              <a:rPr lang="zh-CN" altLang="en-US" dirty="0"/>
-              <a:t> </a:t>
-            </a:r>
-            <a:r>
-              <a:rPr lang="en-US" altLang="zh-CN" dirty="0"/>
-              <a:t>pipeline.</a:t>
-            </a:r>
-          </a:p>
-          <a:p>
-            <a:pPr marL="502920" indent="-457200">
-              <a:buAutoNum type="alphaLcParenR"/>
-            </a:pPr>
-            <a:r>
-              <a:rPr lang="en-US" altLang="zh-CN" dirty="0"/>
-              <a:t>More</a:t>
-            </a:r>
-            <a:r>
-              <a:rPr lang="zh-CN" altLang="en-US" dirty="0"/>
-              <a:t> </a:t>
-            </a:r>
-            <a:r>
-              <a:rPr lang="en-US" altLang="zh-CN" dirty="0"/>
-              <a:t>statistical</a:t>
-            </a:r>
-            <a:r>
-              <a:rPr lang="zh-CN" altLang="en-US" dirty="0"/>
-              <a:t> </a:t>
-            </a:r>
-            <a:r>
-              <a:rPr lang="en-US" altLang="zh-CN" dirty="0"/>
-              <a:t>operators</a:t>
-            </a:r>
-            <a:r>
-              <a:rPr lang="zh-CN" altLang="en-US" dirty="0"/>
-              <a:t> </a:t>
-            </a:r>
-            <a:r>
-              <a:rPr lang="en-US" altLang="zh-CN" dirty="0"/>
-              <a:t>with</a:t>
-            </a:r>
-            <a:r>
-              <a:rPr lang="zh-CN" altLang="en-US" dirty="0"/>
-              <a:t> </a:t>
-            </a:r>
-            <a:r>
-              <a:rPr lang="en-US" altLang="zh-CN" dirty="0"/>
-              <a:t>qualification</a:t>
-            </a:r>
-            <a:r>
-              <a:rPr lang="zh-CN" altLang="en-US" dirty="0"/>
-              <a:t> </a:t>
-            </a:r>
-            <a:r>
-              <a:rPr lang="en-US" altLang="zh-CN" dirty="0"/>
-              <a:t>tools</a:t>
-            </a:r>
-            <a:r>
-              <a:rPr lang="zh-CN" altLang="en-US" dirty="0"/>
-              <a:t>.</a:t>
-            </a:r>
-            <a:endParaRPr lang="en-US" altLang="zh-CN" dirty="0"/>
-          </a:p>
-          <a:p>
-            <a:pPr marL="502920" indent="-457200">
-              <a:buAutoNum type="alphaLcParenR"/>
-            </a:pPr>
-            <a:r>
-              <a:rPr lang="en-US" altLang="zh-CN" dirty="0"/>
-              <a:t>Strictly</a:t>
-            </a:r>
-            <a:r>
-              <a:rPr lang="zh-CN" altLang="en-US" dirty="0"/>
-              <a:t> </a:t>
-            </a:r>
-            <a:r>
-              <a:rPr lang="en-US" altLang="zh-CN" dirty="0"/>
-              <a:t>filtered</a:t>
-            </a:r>
-            <a:r>
-              <a:rPr lang="zh-CN" altLang="en-US" dirty="0"/>
-              <a:t> </a:t>
-            </a:r>
-            <a:r>
-              <a:rPr lang="en-US" altLang="zh-CN" dirty="0"/>
-              <a:t>experimental</a:t>
-            </a:r>
-            <a:r>
-              <a:rPr lang="zh-CN" altLang="en-US" dirty="0"/>
-              <a:t> </a:t>
-            </a:r>
-            <a:r>
-              <a:rPr lang="en-US" altLang="zh-CN" dirty="0"/>
-              <a:t>interaction</a:t>
-            </a:r>
-            <a:r>
-              <a:rPr lang="zh-CN" altLang="en-US" dirty="0"/>
-              <a:t> </a:t>
-            </a:r>
-            <a:r>
-              <a:rPr lang="en-US" altLang="zh-CN" dirty="0"/>
-              <a:t>data</a:t>
-            </a:r>
-            <a:r>
-              <a:rPr lang="zh-CN" altLang="en-US" dirty="0"/>
-              <a:t> </a:t>
-            </a:r>
-            <a:r>
-              <a:rPr lang="en-US" altLang="zh-CN" dirty="0"/>
-              <a:t>set.</a:t>
-            </a:r>
-          </a:p>
-          <a:p>
-            <a:pPr marL="502920" indent="-457200">
-              <a:buAutoNum type="alphaLcParenR"/>
-            </a:pPr>
-            <a:r>
-              <a:rPr lang="en-US" altLang="zh-CN" dirty="0"/>
-              <a:t>Newly</a:t>
-            </a:r>
-            <a:r>
-              <a:rPr lang="zh-CN" altLang="en-US" dirty="0"/>
-              <a:t> </a:t>
-            </a:r>
-            <a:r>
-              <a:rPr lang="en-US" altLang="zh-CN" dirty="0"/>
-              <a:t>expanded</a:t>
-            </a:r>
-            <a:r>
-              <a:rPr lang="zh-CN" altLang="en-US" dirty="0"/>
-              <a:t> </a:t>
-            </a:r>
-            <a:r>
-              <a:rPr lang="en-US" altLang="zh-CN" dirty="0"/>
-              <a:t>annotations</a:t>
-            </a:r>
-            <a:r>
-              <a:rPr lang="zh-CN" altLang="en-US" dirty="0"/>
-              <a:t> </a:t>
-            </a:r>
-            <a:r>
-              <a:rPr lang="en-US" altLang="zh-CN" dirty="0"/>
-              <a:t>and</a:t>
-            </a:r>
-            <a:r>
-              <a:rPr lang="zh-CN" altLang="en-US" dirty="0"/>
-              <a:t> </a:t>
-            </a:r>
-            <a:r>
-              <a:rPr lang="en-US" altLang="zh-CN" dirty="0"/>
-              <a:t>profiling</a:t>
-            </a:r>
-            <a:r>
-              <a:rPr lang="zh-CN" altLang="en-US" dirty="0"/>
-              <a:t> </a:t>
-            </a:r>
-            <a:r>
-              <a:rPr lang="en-US" altLang="zh-CN" dirty="0"/>
-              <a:t>data.</a:t>
-            </a:r>
-          </a:p>
-          <a:p>
-            <a:endParaRPr lang="en-US" altLang="zh-TW" dirty="0"/>
+            <a:endParaRPr lang="en-US" altLang="zh-CN" dirty="0" smtClean="0"/>
           </a:p>
         </p:txBody>
       </p:sp>
@@ -3981,9 +3700,10 @@
           <a:lstStyle/>
           <a:p>
             <a:r>
-              <a:rPr lang="en-US" altLang="zh-TW" dirty="0"/>
+              <a:rPr lang="en-US" altLang="zh-TW" dirty="0" smtClean="0"/>
               <a:t>Training SVM</a:t>
             </a:r>
+            <a:endParaRPr lang="en-US" altLang="zh-TW" dirty="0"/>
           </a:p>
         </p:txBody>
       </p:sp>
@@ -4006,12 +3726,17 @@
           <a:p>
             <a:r>
               <a:rPr lang="en-US" altLang="zh-TW" dirty="0" smtClean="0"/>
-              <a:t>Direct </a:t>
-            </a:r>
-            <a:r>
-              <a:rPr lang="en-US" altLang="zh-TW" dirty="0"/>
-              <a:t>Evidence</a:t>
-            </a:r>
+              <a:t>Training</a:t>
+            </a:r>
+            <a:r>
+              <a:rPr lang="zh-CN" altLang="en-US" dirty="0" smtClean="0"/>
+              <a:t> </a:t>
+            </a:r>
+            <a:r>
+              <a:rPr lang="en-US" altLang="zh-CN" dirty="0" smtClean="0"/>
+              <a:t>SVM</a:t>
+            </a:r>
+            <a:endParaRPr lang="en-US" altLang="zh-TW" dirty="0" smtClean="0"/>
           </a:p>
           <a:p>
             <a:pPr marL="502920" indent="-457200">
@@ -4019,8 +3744,9 @@
             </a:pPr>
             <a:r>
               <a:rPr lang="en-US" altLang="zh-CN" dirty="0" smtClean="0"/>
-              <a:t>Data Sources.</a:t>
-            </a:r>
+              <a:t>Sample</a:t>
+            </a:r>
+            <a:endParaRPr lang="en-US" altLang="zh-CN" dirty="0" smtClean="0"/>
           </a:p>
           <a:p>
             <a:pPr marL="502920" indent="-457200">
@@ -4028,22 +3754,61 @@
             </a:pPr>
             <a:r>
               <a:rPr lang="en-US" altLang="zh-CN" dirty="0" smtClean="0"/>
-              <a:t>Filter</a:t>
-            </a:r>
+              <a:t>Test</a:t>
+            </a:r>
+            <a:r>
+              <a:rPr lang="zh-CN" altLang="en-US" dirty="0" smtClean="0"/>
+              <a:t> </a:t>
+            </a:r>
+            <a:r>
+              <a:rPr lang="en-US" altLang="zh-CN" dirty="0" smtClean="0"/>
+              <a:t>the</a:t>
+            </a:r>
+            <a:r>
+              <a:rPr lang="zh-CN" altLang="en-US" dirty="0" smtClean="0"/>
+              <a:t> </a:t>
+            </a:r>
+            <a:r>
+              <a:rPr lang="en-US" altLang="zh-CN" dirty="0" smtClean="0"/>
+              <a:t>homogeneity</a:t>
+            </a:r>
+            <a:r>
+              <a:rPr lang="zh-CN" altLang="en-US" dirty="0" smtClean="0"/>
+              <a:t> </a:t>
+            </a:r>
+            <a:r>
+              <a:rPr lang="en-US" altLang="zh-CN" dirty="0" smtClean="0"/>
+              <a:t>of</a:t>
+            </a:r>
+            <a:r>
+              <a:rPr lang="zh-CN" altLang="en-US" dirty="0" smtClean="0"/>
+              <a:t> </a:t>
+            </a:r>
+            <a:r>
+              <a:rPr lang="en-US" altLang="zh-CN" dirty="0" smtClean="0"/>
+              <a:t>Sample</a:t>
+            </a:r>
+            <a:r>
+              <a:rPr lang="en-US" altLang="zh-CN" dirty="0"/>
+              <a:t>s</a:t>
+            </a:r>
+            <a:endParaRPr lang="en-US" altLang="zh-CN" dirty="0" smtClean="0"/>
           </a:p>
           <a:p>
             <a:pPr marL="502920" indent="-457200">
               <a:buAutoNum type="alphaLcParenR"/>
             </a:pPr>
             <a:r>
+              <a:rPr lang="en-US" altLang="zh-TW" dirty="0" smtClean="0"/>
+              <a:t>Grid</a:t>
+            </a:r>
+            <a:r>
+              <a:rPr lang="zh-CN" altLang="en-US" dirty="0" smtClean="0"/>
+              <a:t> </a:t>
+            </a:r>
+            <a:r>
               <a:rPr lang="en-US" altLang="zh-CN" dirty="0" smtClean="0"/>
-              <a:t>Brief (Term Number ...</a:t>
-            </a:r>
-          </a:p>
-          <a:p>
-            <a:r>
-              <a:rPr lang="en-US" altLang="zh-TW" dirty="0" smtClean="0"/>
-              <a:t>Indirect Evidence</a:t>
+              <a:t>Search</a:t>
             </a:r>
           </a:p>
           <a:p>
@@ -4051,24 +3816,8 @@
               <a:buAutoNum type="alphaLcParenR"/>
             </a:pPr>
             <a:r>
-              <a:rPr lang="en-US" altLang="zh-CN" dirty="0" smtClean="0"/>
-              <a:t>Highly</a:t>
-            </a:r>
-            <a:r>
-              <a:rPr lang="zh-CN" altLang="en-US" dirty="0" smtClean="0"/>
-              <a:t> </a:t>
-            </a:r>
-            <a:r>
-              <a:rPr lang="en-US" altLang="zh-CN" dirty="0"/>
-              <a:t>modularized</a:t>
-            </a:r>
-            <a:r>
-              <a:rPr lang="zh-CN" altLang="en-US" dirty="0"/>
-              <a:t> </a:t>
-            </a:r>
-            <a:r>
-              <a:rPr lang="en-US" altLang="zh-CN" dirty="0"/>
-              <a:t>pipeline.</a:t>
+              <a:rPr lang="en-US" altLang="zh-TW" dirty="0" smtClean="0"/>
+              <a:t>Training</a:t>
             </a:r>
           </a:p>
           <a:p>
@@ -4076,154 +3825,17 @@
               <a:buAutoNum type="alphaLcParenR"/>
             </a:pPr>
             <a:r>
-              <a:rPr lang="en-US" altLang="zh-CN" dirty="0"/>
-              <a:t>More</a:t>
-            </a:r>
-            <a:r>
-              <a:rPr lang="zh-CN" altLang="en-US" dirty="0"/>
+              <a:rPr lang="en-US" altLang="zh-TW" dirty="0" smtClean="0"/>
+              <a:t>Test</a:t>
+            </a:r>
+            <a:r>
+              <a:rPr lang="zh-CN" altLang="en-US" dirty="0" smtClean="0"/>
               <a:t> </a:t>
             </a:r>
             <a:r>
-              <a:rPr lang="en-US" altLang="zh-CN" dirty="0"/>
-              <a:t>statistical</a:t>
-            </a:r>
-            <a:r>
-              <a:rPr lang="zh-CN" altLang="en-US" dirty="0"/>
-              <a:t> </a:t>
-            </a:r>
-            <a:r>
-              <a:rPr lang="en-US" altLang="zh-CN" dirty="0"/>
-              <a:t>operators</a:t>
-            </a:r>
-            <a:r>
-              <a:rPr lang="zh-CN" altLang="en-US" dirty="0"/>
-              <a:t> </a:t>
-            </a:r>
-            <a:r>
-              <a:rPr lang="en-US" altLang="zh-CN" dirty="0"/>
-              <a:t>with</a:t>
-            </a:r>
-            <a:r>
-              <a:rPr lang="zh-CN" altLang="en-US" dirty="0"/>
-              <a:t> </a:t>
-            </a:r>
-            <a:r>
-              <a:rPr lang="en-US" altLang="zh-CN" dirty="0"/>
-              <a:t>qualification</a:t>
-            </a:r>
-            <a:r>
-              <a:rPr lang="zh-CN" altLang="en-US" dirty="0"/>
-              <a:t> </a:t>
-            </a:r>
-            <a:r>
-              <a:rPr lang="en-US" altLang="zh-CN" dirty="0"/>
-              <a:t>tools</a:t>
-            </a:r>
-            <a:r>
-              <a:rPr lang="zh-CN" altLang="en-US" dirty="0"/>
-              <a:t>.</a:t>
-            </a:r>
-            <a:endParaRPr lang="en-US" altLang="zh-CN" dirty="0"/>
-          </a:p>
-          <a:p>
-            <a:pPr marL="502920" indent="-457200">
-              <a:buAutoNum type="alphaLcParenR"/>
-            </a:pPr>
-            <a:r>
-              <a:rPr lang="en-US" altLang="zh-CN" dirty="0"/>
-              <a:t>Strictly</a:t>
-            </a:r>
-            <a:r>
-              <a:rPr lang="zh-CN" altLang="en-US" dirty="0"/>
-              <a:t> </a:t>
-            </a:r>
-            <a:r>
-              <a:rPr lang="en-US" altLang="zh-CN" dirty="0"/>
-              <a:t>filtered</a:t>
-            </a:r>
-            <a:r>
-              <a:rPr lang="zh-CN" altLang="en-US" dirty="0"/>
-              <a:t> </a:t>
-            </a:r>
-            <a:r>
-              <a:rPr lang="en-US" altLang="zh-CN" dirty="0"/>
-              <a:t>experimental</a:t>
-            </a:r>
-            <a:r>
-              <a:rPr lang="zh-CN" altLang="en-US" dirty="0"/>
-              <a:t> </a:t>
-            </a:r>
-            <a:r>
-              <a:rPr lang="en-US" altLang="zh-CN" dirty="0"/>
-              <a:t>interaction</a:t>
-            </a:r>
-            <a:r>
-              <a:rPr lang="zh-CN" altLang="en-US" dirty="0"/>
-              <a:t> </a:t>
-            </a:r>
-            <a:r>
-              <a:rPr lang="en-US" altLang="zh-CN" dirty="0"/>
-              <a:t>data</a:t>
-            </a:r>
-            <a:r>
-              <a:rPr lang="zh-CN" altLang="en-US" dirty="0"/>
-              <a:t> </a:t>
-            </a:r>
-            <a:r>
-              <a:rPr lang="en-US" altLang="zh-CN" dirty="0"/>
-              <a:t>set.</a:t>
-            </a:r>
-          </a:p>
-          <a:p>
-            <a:pPr marL="502920" indent="-457200">
-              <a:buAutoNum type="alphaLcParenR"/>
-            </a:pPr>
-            <a:r>
-              <a:rPr lang="en-US" altLang="zh-CN" dirty="0"/>
-              <a:t>Newly</a:t>
-            </a:r>
-            <a:r>
-              <a:rPr lang="zh-CN" altLang="en-US" dirty="0"/>
-              <a:t> </a:t>
-            </a:r>
-            <a:r>
-              <a:rPr lang="en-US" altLang="zh-CN" dirty="0"/>
-              <a:t>expanded</a:t>
-            </a:r>
-            <a:r>
-              <a:rPr lang="zh-CN" altLang="en-US" dirty="0"/>
-              <a:t> </a:t>
-            </a:r>
-            <a:r>
-              <a:rPr lang="en-US" altLang="zh-CN" dirty="0"/>
-              <a:t>annotations</a:t>
-            </a:r>
-            <a:r>
-              <a:rPr lang="zh-CN" altLang="en-US" dirty="0"/>
-              <a:t> </a:t>
-            </a:r>
-            <a:r>
-              <a:rPr lang="en-US" altLang="zh-CN" dirty="0"/>
-              <a:t>and</a:t>
-            </a:r>
-            <a:r>
-              <a:rPr lang="zh-CN" altLang="en-US" dirty="0"/>
-              <a:t> </a:t>
-            </a:r>
-            <a:r>
-              <a:rPr lang="en-US" altLang="zh-CN" dirty="0"/>
-              <a:t>profiling</a:t>
-            </a:r>
-            <a:r>
-              <a:rPr lang="zh-CN" altLang="en-US" dirty="0"/>
-              <a:t> </a:t>
-            </a:r>
-            <a:r>
-              <a:rPr lang="en-US" altLang="zh-CN" dirty="0"/>
-              <a:t>data.</a:t>
-            </a:r>
-          </a:p>
-          <a:p>
+              <a:rPr lang="en-US" altLang="zh-CN" dirty="0" smtClean="0"/>
+              <a:t>Model</a:t>
+            </a:r>
             <a:endParaRPr lang="en-US" altLang="zh-TW" dirty="0"/>
           </a:p>
         </p:txBody>
@@ -4274,8 +3886,12 @@
           <a:lstStyle/>
           <a:p>
             <a:r>
-              <a:rPr lang="en-US" altLang="zh-TW"/>
-              <a:t>Prediction with SVM Model</a:t>
+              <a:rPr lang="en-US" altLang="zh-TW" dirty="0"/>
+              <a:t>Prediction </a:t>
+            </a:r>
+            <a:r>
+              <a:rPr lang="en-US" altLang="zh-TW" dirty="0" smtClean="0"/>
+              <a:t>of Interactions</a:t>
             </a:r>
             <a:endParaRPr lang="en-US" altLang="zh-TW" dirty="0"/>
           </a:p>
@@ -4300,12 +3916,25 @@
           <a:p>
             <a:r>
               <a:rPr lang="en-US" altLang="zh-TW" dirty="0" smtClean="0"/>
-              <a:t>Direct </a:t>
-            </a:r>
-            <a:r>
-              <a:rPr lang="en-US" altLang="zh-TW" dirty="0"/>
-              <a:t>Evidence</a:t>
-            </a:r>
+              <a:t>Prediction</a:t>
+            </a:r>
+            <a:r>
+              <a:rPr lang="zh-CN" altLang="en-US" dirty="0" smtClean="0"/>
+              <a:t> </a:t>
+            </a:r>
+            <a:r>
+              <a:rPr lang="en-US" altLang="zh-CN" dirty="0" smtClean="0"/>
+              <a:t>of</a:t>
+            </a:r>
+            <a:r>
+              <a:rPr lang="zh-CN" altLang="en-US" dirty="0" smtClean="0"/>
+              <a:t> </a:t>
+            </a:r>
+            <a:r>
+              <a:rPr lang="en-US" altLang="zh-CN" dirty="0" smtClean="0"/>
+              <a:t>interactions</a:t>
+            </a:r>
+            <a:endParaRPr lang="en-US" altLang="zh-TW" dirty="0"/>
           </a:p>
           <a:p>
             <a:pPr marL="502920" indent="-457200">
@@ -4313,8 +3942,100 @@
             </a:pPr>
             <a:r>
               <a:rPr lang="en-US" altLang="zh-CN" dirty="0" smtClean="0"/>
-              <a:t>Data Sources.</a:t>
-            </a:r>
+              <a:t>Evaluate</a:t>
+            </a:r>
+            <a:r>
+              <a:rPr lang="zh-CN" altLang="en-US" dirty="0" smtClean="0"/>
+              <a:t> </a:t>
+            </a:r>
+            <a:r>
+              <a:rPr lang="en-US" altLang="zh-CN" dirty="0" smtClean="0"/>
+              <a:t>the</a:t>
+            </a:r>
+            <a:r>
+              <a:rPr lang="zh-CN" altLang="en-US" dirty="0" smtClean="0"/>
+              <a:t> </a:t>
+            </a:r>
+            <a:r>
+              <a:rPr lang="en-US" altLang="zh-CN" dirty="0" smtClean="0"/>
+              <a:t>PAIR</a:t>
+            </a:r>
+            <a:r>
+              <a:rPr lang="zh-CN" altLang="en-US" dirty="0" smtClean="0"/>
+              <a:t> </a:t>
+            </a:r>
+            <a:r>
+              <a:rPr lang="en-US" altLang="zh-CN" dirty="0" smtClean="0"/>
+              <a:t>prediction</a:t>
+            </a:r>
+            <a:r>
+              <a:rPr lang="zh-CN" altLang="en-US" dirty="0" smtClean="0"/>
+              <a:t> </a:t>
+            </a:r>
+            <a:r>
+              <a:rPr lang="en-US" altLang="zh-CN" dirty="0" smtClean="0"/>
+              <a:t>accuracy</a:t>
+            </a:r>
+            <a:endParaRPr lang="en-US" altLang="zh-CN" dirty="0" smtClean="0"/>
+          </a:p>
+          <a:p>
+            <a:pPr marL="502920" indent="-457200">
+              <a:buFont typeface="Wingdings" charset="2"/>
+              <a:buAutoNum type="alphaLcParenR"/>
+            </a:pPr>
+            <a:r>
+              <a:rPr lang="en-US" altLang="zh-CN" dirty="0" smtClean="0"/>
+              <a:t>Predict</a:t>
+            </a:r>
+            <a:r>
+              <a:rPr lang="zh-CN" altLang="en-US" dirty="0" smtClean="0"/>
+              <a:t> </a:t>
+            </a:r>
+            <a:r>
+              <a:rPr lang="en-US" altLang="zh-CN" dirty="0"/>
+              <a:t>and</a:t>
+            </a:r>
+            <a:r>
+              <a:rPr lang="zh-CN" altLang="en-US" dirty="0"/>
+              <a:t> </a:t>
+            </a:r>
+            <a:r>
+              <a:rPr lang="en-US" altLang="zh-CN" dirty="0"/>
+              <a:t>Test</a:t>
+            </a:r>
+            <a:r>
+              <a:rPr lang="zh-CN" altLang="en-US" dirty="0"/>
+              <a:t> </a:t>
+            </a:r>
+            <a:r>
+              <a:rPr lang="en-US" altLang="zh-CN" dirty="0"/>
+              <a:t>the</a:t>
+            </a:r>
+            <a:r>
+              <a:rPr lang="zh-CN" altLang="en-US" dirty="0"/>
+              <a:t> </a:t>
+            </a:r>
+            <a:r>
+              <a:rPr lang="en-US" altLang="zh-CN" dirty="0"/>
+              <a:t>Newly</a:t>
+            </a:r>
+            <a:r>
+              <a:rPr lang="zh-CN" altLang="en-US" dirty="0"/>
+              <a:t> </a:t>
+            </a:r>
+            <a:r>
+              <a:rPr lang="en-US" altLang="zh-CN" dirty="0"/>
+              <a:t>Reported</a:t>
+            </a:r>
+            <a:r>
+              <a:rPr lang="zh-CN" altLang="en-US" dirty="0"/>
+              <a:t> </a:t>
+            </a:r>
+            <a:r>
+              <a:rPr lang="en-US" altLang="zh-CN" dirty="0" smtClean="0"/>
+              <a:t>Interactions</a:t>
+            </a:r>
+            <a:endParaRPr lang="en-US" altLang="zh-CN" dirty="0" smtClean="0"/>
           </a:p>
           <a:p>
             <a:pPr marL="502920" indent="-457200">
@@ -4322,7 +4043,47 @@
             </a:pPr>
             <a:r>
               <a:rPr lang="en-US" altLang="zh-CN" dirty="0" smtClean="0"/>
-              <a:t>Filter</a:t>
+              <a:t>Estimation</a:t>
+            </a:r>
+            <a:r>
+              <a:rPr lang="zh-CN" altLang="en-US" dirty="0" smtClean="0"/>
+              <a:t> </a:t>
+            </a:r>
+            <a:r>
+              <a:rPr lang="en-US" altLang="zh-CN" dirty="0" smtClean="0"/>
+              <a:t>of</a:t>
+            </a:r>
+            <a:r>
+              <a:rPr lang="zh-CN" altLang="en-US" dirty="0" smtClean="0"/>
+              <a:t> </a:t>
+            </a:r>
+            <a:r>
+              <a:rPr lang="en-US" altLang="zh-CN" dirty="0" smtClean="0"/>
+              <a:t>the</a:t>
+            </a:r>
+            <a:r>
+              <a:rPr lang="zh-CN" altLang="en-US" dirty="0" smtClean="0"/>
+              <a:t> </a:t>
+            </a:r>
+            <a:r>
+              <a:rPr lang="en-US" altLang="zh-CN" dirty="0" err="1" smtClean="0"/>
+              <a:t>Arath</a:t>
+            </a:r>
+            <a:r>
+              <a:rPr lang="zh-CN" altLang="en-US" dirty="0" smtClean="0"/>
+              <a:t> </a:t>
+            </a:r>
+            <a:r>
+              <a:rPr lang="en-US" altLang="zh-CN" dirty="0" err="1" smtClean="0"/>
+              <a:t>Interactome</a:t>
+            </a:r>
+            <a:r>
+              <a:rPr lang="zh-CN" altLang="en-US" dirty="0" smtClean="0"/>
+              <a:t> </a:t>
+            </a:r>
+            <a:r>
+              <a:rPr lang="en-US" altLang="zh-CN" dirty="0" smtClean="0"/>
+              <a:t>Size</a:t>
             </a:r>
           </a:p>
           <a:p>
@@ -4330,195 +4091,10 @@
               <a:buAutoNum type="alphaLcParenR"/>
             </a:pPr>
             <a:r>
-              <a:rPr lang="en-US" altLang="zh-CN" dirty="0" smtClean="0"/>
-              <a:t>Brief (Term Number ...</a:t>
-            </a:r>
-          </a:p>
-          <a:p>
-            <a:r>
-              <a:rPr lang="en-US" altLang="zh-TW" dirty="0" smtClean="0"/>
-              <a:t>Indirect Evidence</a:t>
-            </a:r>
-          </a:p>
-          <a:p>
-            <a:pPr marL="502920" indent="-457200">
-              <a:buAutoNum type="alphaLcParenR"/>
-            </a:pPr>
-            <a:r>
-              <a:rPr lang="en-US" altLang="zh-CN" dirty="0" smtClean="0"/>
-              <a:t>Highly</a:t>
-            </a:r>
-            <a:r>
-              <a:rPr lang="zh-CN" altLang="en-US" dirty="0" smtClean="0"/>
-              <a:t> </a:t>
-            </a:r>
-            <a:r>
-              <a:rPr lang="en-US" altLang="zh-CN" dirty="0"/>
-              <a:t>modularized</a:t>
-            </a:r>
-            <a:r>
-              <a:rPr lang="zh-CN" altLang="en-US" dirty="0"/>
-              <a:t> </a:t>
-            </a:r>
-            <a:r>
-              <a:rPr lang="en-US" altLang="zh-CN" dirty="0"/>
-              <a:t>pipeline.</a:t>
-            </a:r>
-          </a:p>
-          <a:p>
-            <a:pPr marL="502920" indent="-457200">
-              <a:buAutoNum type="alphaLcParenR"/>
-            </a:pPr>
-            <a:r>
-              <a:rPr lang="en-US" altLang="zh-CN" dirty="0"/>
-              <a:t>More</a:t>
-            </a:r>
-            <a:r>
-              <a:rPr lang="zh-CN" altLang="en-US" dirty="0"/>
-              <a:t> </a:t>
-            </a:r>
-            <a:r>
-              <a:rPr lang="en-US" altLang="zh-CN" dirty="0"/>
-              <a:t>statistical</a:t>
-            </a:r>
-            <a:r>
-              <a:rPr lang="zh-CN" altLang="en-US" dirty="0"/>
-              <a:t> </a:t>
-            </a:r>
-            <a:r>
-              <a:rPr lang="en-US" altLang="zh-CN" dirty="0"/>
-              <a:t>operators</a:t>
-            </a:r>
-            <a:r>
-              <a:rPr lang="zh-CN" altLang="en-US" dirty="0"/>
-              <a:t> </a:t>
-            </a:r>
-            <a:r>
-              <a:rPr lang="en-US" altLang="zh-CN" dirty="0"/>
-              <a:t>with</a:t>
-            </a:r>
-            <a:r>
-              <a:rPr lang="zh-CN" altLang="en-US" dirty="0"/>
-              <a:t> </a:t>
-            </a:r>
-            <a:r>
-              <a:rPr lang="en-US" altLang="zh-CN" dirty="0"/>
-              <a:t>qualification</a:t>
-            </a:r>
-            <a:r>
-              <a:rPr lang="zh-CN" altLang="en-US" dirty="0"/>
-              <a:t> </a:t>
-            </a:r>
-            <a:r>
-              <a:rPr lang="en-US" altLang="zh-CN" dirty="0"/>
-              <a:t>tools</a:t>
-            </a:r>
-            <a:r>
-              <a:rPr lang="zh-CN" altLang="en-US" dirty="0"/>
-              <a:t>.</a:t>
-            </a:r>
-            <a:endParaRPr lang="en-US" altLang="zh-CN" dirty="0"/>
-          </a:p>
-          <a:p>
-            <a:pPr marL="502920" indent="-457200">
-              <a:buAutoNum type="alphaLcParenR"/>
-            </a:pPr>
-            <a:r>
-              <a:rPr lang="en-US" altLang="zh-CN" dirty="0"/>
-              <a:t>Strictly</a:t>
-            </a:r>
-            <a:r>
-              <a:rPr lang="zh-CN" altLang="en-US" dirty="0"/>
-              <a:t> </a:t>
-            </a:r>
-            <a:r>
-              <a:rPr lang="en-US" altLang="zh-CN" dirty="0"/>
-              <a:t>filtered</a:t>
-            </a:r>
-            <a:r>
-              <a:rPr lang="zh-CN" altLang="en-US" dirty="0"/>
-              <a:t> </a:t>
-            </a:r>
-            <a:r>
-              <a:rPr lang="en-US" altLang="zh-CN" dirty="0"/>
-              <a:t>experimental</a:t>
-            </a:r>
-            <a:r>
-              <a:rPr lang="zh-CN" altLang="en-US" dirty="0"/>
-              <a:t> </a:t>
-            </a:r>
-            <a:r>
-              <a:rPr lang="en-US" altLang="zh-CN" dirty="0"/>
-              <a:t>interaction</a:t>
-            </a:r>
-            <a:r>
-              <a:rPr lang="zh-CN" altLang="en-US" dirty="0"/>
-              <a:t> </a:t>
-            </a:r>
-            <a:r>
-              <a:rPr lang="en-US" altLang="zh-CN" dirty="0"/>
-              <a:t>data</a:t>
-            </a:r>
-            <a:r>
-              <a:rPr lang="zh-CN" altLang="en-US" dirty="0"/>
-              <a:t> </a:t>
-            </a:r>
-            <a:r>
-              <a:rPr lang="en-US" altLang="zh-CN" dirty="0"/>
-              <a:t>set.</a:t>
-            </a:r>
-          </a:p>
-          <a:p>
-            <a:pPr marL="502920" indent="-457200">
-              <a:buAutoNum type="alphaLcParenR"/>
-            </a:pPr>
-            <a:r>
-              <a:rPr lang="en-US" altLang="zh-CN" dirty="0"/>
-              <a:t>Newly</a:t>
-            </a:r>
-            <a:r>
-              <a:rPr lang="zh-CN" altLang="en-US" dirty="0"/>
-              <a:t> </a:t>
-            </a:r>
-            <a:r>
-              <a:rPr lang="en-US" altLang="zh-CN" dirty="0"/>
-              <a:t>expanded</a:t>
-            </a:r>
-            <a:r>
-              <a:rPr lang="zh-CN" altLang="en-US" dirty="0"/>
-              <a:t> </a:t>
-            </a:r>
-            <a:r>
-              <a:rPr lang="en-US" altLang="zh-CN" dirty="0"/>
-              <a:t>annotations</a:t>
-            </a:r>
-            <a:r>
-              <a:rPr lang="zh-CN" altLang="en-US" dirty="0"/>
-              <a:t> </a:t>
-            </a:r>
-            <a:r>
-              <a:rPr lang="en-US" altLang="zh-CN" dirty="0"/>
-              <a:t>and</a:t>
-            </a:r>
-            <a:r>
-              <a:rPr lang="zh-CN" altLang="en-US" dirty="0"/>
-              <a:t> </a:t>
-            </a:r>
-            <a:r>
-              <a:rPr lang="en-US" altLang="zh-CN" dirty="0"/>
-              <a:t>profiling</a:t>
-            </a:r>
-            <a:r>
-              <a:rPr lang="zh-CN" altLang="en-US" dirty="0"/>
-              <a:t> </a:t>
-            </a:r>
-            <a:r>
-              <a:rPr lang="en-US" altLang="zh-CN" dirty="0"/>
-              <a:t>data.</a:t>
-            </a:r>
-          </a:p>
-          <a:p>
-            <a:endParaRPr lang="en-US" altLang="zh-TW" dirty="0"/>
+              <a:rPr lang="en-US" altLang="zh-CN" smtClean="0"/>
+              <a:t>Summary</a:t>
+            </a:r>
+            <a:endParaRPr lang="en-US" altLang="zh-CN" dirty="0" smtClean="0"/>
           </a:p>
         </p:txBody>
       </p:sp>
